--- a/2020 ASPE Recognitions...pptx
+++ b/2020 ASPE Recognitions...pptx
@@ -5,7 +5,7 @@
     <p:sldMasterId id="2147483653" r:id="rId1"/>
   </p:sldMasterIdLst>
   <p:notesMasterIdLst>
-    <p:notesMasterId r:id="rId11"/>
+    <p:notesMasterId r:id="rId10"/>
   </p:notesMasterIdLst>
   <p:sldIdLst>
     <p:sldId id="258" r:id="rId2"/>
@@ -15,22 +15,21 @@
     <p:sldId id="260" r:id="rId6"/>
     <p:sldId id="261" r:id="rId7"/>
     <p:sldId id="262" r:id="rId8"/>
-    <p:sldId id="263" r:id="rId9"/>
-    <p:sldId id="264" r:id="rId10"/>
+    <p:sldId id="264" r:id="rId9"/>
   </p:sldIdLst>
   <p:sldSz cx="9144000" cy="5143500" type="screen16x9"/>
   <p:notesSz cx="6858000" cy="9144000"/>
   <p:embeddedFontLst>
     <p:embeddedFont>
       <p:font typeface="Arial Black" panose="020B0A04020102020204" pitchFamily="34" charset="0"/>
-      <p:bold r:id="rId12"/>
+      <p:bold r:id="rId11"/>
     </p:embeddedFont>
     <p:embeddedFont>
       <p:font typeface="Roboto" panose="020B0604020202020204" charset="0"/>
-      <p:regular r:id="rId13"/>
-      <p:bold r:id="rId14"/>
-      <p:italic r:id="rId15"/>
-      <p:boldItalic r:id="rId16"/>
+      <p:regular r:id="rId12"/>
+      <p:bold r:id="rId13"/>
+      <p:italic r:id="rId14"/>
+      <p:boldItalic r:id="rId15"/>
     </p:embeddedFont>
   </p:embeddedFontLst>
   <p:defaultTextStyle>
@@ -5841,270 +5840,6 @@
       </p:grpSpPr>
       <p:sp>
         <p:nvSpPr>
-          <p:cNvPr id="2" name="Title 1">
-            <a:extLst>
-              <a:ext uri="{FF2B5EF4-FFF2-40B4-BE49-F238E27FC236}">
-                <a16:creationId xmlns:a16="http://schemas.microsoft.com/office/drawing/2014/main" id="{A0F575D1-3E02-4809-8DE6-5F9BA6C885C5}"/>
-              </a:ext>
-            </a:extLst>
-          </p:cNvPr>
-          <p:cNvSpPr>
-            <a:spLocks noGrp="1"/>
-          </p:cNvSpPr>
-          <p:nvPr>
-            <p:ph type="ctrTitle"/>
-          </p:nvPr>
-        </p:nvSpPr>
-        <p:spPr>
-          <a:xfrm>
-            <a:off x="3871282" y="403400"/>
-            <a:ext cx="4961018" cy="648787"/>
-          </a:xfrm>
-        </p:spPr>
-        <p:txBody>
-          <a:bodyPr/>
-          <a:lstStyle/>
-          <a:p>
-            <a:r>
-              <a:rPr lang="en-US" dirty="0"/>
-              <a:t>Organizing Committee:</a:t>
-            </a:r>
-          </a:p>
-        </p:txBody>
-      </p:sp>
-      <p:sp>
-        <p:nvSpPr>
-          <p:cNvPr id="3" name="Subtitle 2">
-            <a:extLst>
-              <a:ext uri="{FF2B5EF4-FFF2-40B4-BE49-F238E27FC236}">
-                <a16:creationId xmlns:a16="http://schemas.microsoft.com/office/drawing/2014/main" id="{E86AAB3B-8D7E-43A1-AD34-AD8259A6676E}"/>
-              </a:ext>
-            </a:extLst>
-          </p:cNvPr>
-          <p:cNvSpPr>
-            <a:spLocks noGrp="1"/>
-          </p:cNvSpPr>
-          <p:nvPr>
-            <p:ph type="subTitle" idx="1"/>
-          </p:nvPr>
-        </p:nvSpPr>
-        <p:spPr>
-          <a:xfrm>
-            <a:off x="311700" y="1180377"/>
-            <a:ext cx="8520600" cy="3461300"/>
-          </a:xfrm>
-        </p:spPr>
-        <p:txBody>
-          <a:bodyPr/>
-          <a:lstStyle/>
-          <a:p>
-            <a:pPr lvl="1"/>
-            <a:r>
-              <a:rPr lang="en-US" sz="1600" dirty="0"/>
-              <a:t>Luis A. Aguirre, 3M Company</a:t>
-            </a:r>
-          </a:p>
-          <a:p>
-            <a:pPr lvl="1"/>
-            <a:r>
-              <a:rPr lang="en-US" sz="1600" dirty="0"/>
-              <a:t>Kumar Arumugam, University of North Carolina-Charlotte</a:t>
-            </a:r>
-          </a:p>
-          <a:p>
-            <a:pPr lvl="1"/>
-            <a:r>
-              <a:rPr lang="en-US" sz="1600" dirty="0"/>
-              <a:t>Marcin </a:t>
-            </a:r>
-            <a:r>
-              <a:rPr lang="en-US" sz="1600" dirty="0" err="1"/>
-              <a:t>Bauza</a:t>
-            </a:r>
-            <a:r>
-              <a:rPr lang="en-US" sz="1600" dirty="0"/>
-              <a:t>, ZEISS Industrial Quality Solutions</a:t>
-            </a:r>
-          </a:p>
-          <a:p>
-            <a:pPr lvl="1"/>
-            <a:r>
-              <a:rPr lang="en-US" sz="1600" dirty="0"/>
-              <a:t>Raymond C. Cady, Corning</a:t>
-            </a:r>
-          </a:p>
-          <a:p>
-            <a:pPr lvl="1"/>
-            <a:r>
-              <a:rPr lang="en-US" sz="1600" dirty="0"/>
-              <a:t>Jacob Cole, University of North Carolina-Charlotte</a:t>
-            </a:r>
-          </a:p>
-          <a:p>
-            <a:pPr lvl="1"/>
-            <a:r>
-              <a:rPr lang="en-US" sz="1600" dirty="0"/>
-              <a:t>Tim Dalrymple, Independent</a:t>
-            </a:r>
-          </a:p>
-          <a:p>
-            <a:pPr lvl="1"/>
-            <a:r>
-              <a:rPr lang="en-US" sz="1600" dirty="0"/>
-              <a:t>Mark Kosmowski, ESI</a:t>
-            </a:r>
-          </a:p>
-          <a:p>
-            <a:pPr lvl="1"/>
-            <a:r>
-              <a:rPr lang="en-US" sz="1600" dirty="0"/>
-              <a:t>Byron Knapp, Professional Instruments Company</a:t>
-            </a:r>
-          </a:p>
-          <a:p>
-            <a:pPr lvl="1"/>
-            <a:r>
-              <a:rPr lang="en-US" sz="1600" dirty="0"/>
-              <a:t>Rafael Marangoni, NIST</a:t>
-            </a:r>
-          </a:p>
-          <a:p>
-            <a:pPr lvl="1"/>
-            <a:r>
-              <a:rPr lang="en-US" sz="1600" dirty="0"/>
-              <a:t>Robert </a:t>
-            </a:r>
-            <a:r>
-              <a:rPr lang="en-US" sz="1600" dirty="0" err="1"/>
-              <a:t>Panas</a:t>
-            </a:r>
-            <a:r>
-              <a:rPr lang="en-US" sz="1600" dirty="0"/>
-              <a:t>, LLNL</a:t>
-            </a:r>
-          </a:p>
-          <a:p>
-            <a:pPr lvl="1"/>
-            <a:r>
-              <a:rPr lang="en-US" sz="1600" dirty="0"/>
-              <a:t>Nilabh Roy, Canon Nanotechnologies.</a:t>
-            </a:r>
-          </a:p>
-          <a:p>
-            <a:pPr lvl="1"/>
-            <a:r>
-              <a:rPr lang="en-US" sz="1600" dirty="0"/>
-              <a:t>Stuart T. Smith, University of North Carolina-Charlotte</a:t>
-            </a:r>
-          </a:p>
-          <a:p>
-            <a:pPr lvl="1"/>
-            <a:r>
-              <a:rPr lang="en-US" sz="1600" dirty="0"/>
-              <a:t>Alex Sohn, Facebook Reality Labs</a:t>
-            </a:r>
-          </a:p>
-        </p:txBody>
-      </p:sp>
-      <p:sp>
-        <p:nvSpPr>
-          <p:cNvPr id="4" name="Slide Number Placeholder 3">
-            <a:extLst>
-              <a:ext uri="{FF2B5EF4-FFF2-40B4-BE49-F238E27FC236}">
-                <a16:creationId xmlns:a16="http://schemas.microsoft.com/office/drawing/2014/main" id="{19341587-B5CF-456F-9EE3-16344B728AB2}"/>
-              </a:ext>
-            </a:extLst>
-          </p:cNvPr>
-          <p:cNvSpPr>
-            <a:spLocks noGrp="1"/>
-          </p:cNvSpPr>
-          <p:nvPr>
-            <p:ph type="sldNum" idx="12"/>
-          </p:nvPr>
-        </p:nvSpPr>
-        <p:spPr/>
-        <p:txBody>
-          <a:bodyPr/>
-          <a:lstStyle/>
-          <a:p>
-            <a:pPr marL="0" lvl="0" indent="0" algn="r" rtl="0">
-              <a:spcBef>
-                <a:spcPts val="0"/>
-              </a:spcBef>
-              <a:spcAft>
-                <a:spcPts val="0"/>
-              </a:spcAft>
-              <a:buNone/>
-            </a:pPr>
-            <a:fld id="{00000000-1234-1234-1234-123412341234}" type="slidenum">
-              <a:rPr lang="en" smtClean="0"/>
-              <a:t>8</a:t>
-            </a:fld>
-            <a:endParaRPr lang="en"/>
-          </a:p>
-        </p:txBody>
-      </p:sp>
-      <p:sp>
-        <p:nvSpPr>
-          <p:cNvPr id="5" name="Slide Number Placeholder 4">
-            <a:extLst>
-              <a:ext uri="{FF2B5EF4-FFF2-40B4-BE49-F238E27FC236}">
-                <a16:creationId xmlns:a16="http://schemas.microsoft.com/office/drawing/2014/main" id="{C9D2AB4D-827B-4FC9-AF5E-1096F1C7C0E0}"/>
-              </a:ext>
-            </a:extLst>
-          </p:cNvPr>
-          <p:cNvSpPr>
-            <a:spLocks noGrp="1"/>
-          </p:cNvSpPr>
-          <p:nvPr>
-            <p:ph type="sldNum" idx="2"/>
-          </p:nvPr>
-        </p:nvSpPr>
-        <p:spPr/>
-        <p:txBody>
-          <a:bodyPr/>
-          <a:lstStyle/>
-          <a:p>
-            <a:r>
-              <a:rPr lang="de-DE"/>
-              <a:t>ASPE 2020 Annual Meeting – October 20-23, 2020</a:t>
-            </a:r>
-            <a:endParaRPr lang="de-DE" dirty="0"/>
-          </a:p>
-        </p:txBody>
-      </p:sp>
-    </p:spTree>
-    <p:extLst>
-      <p:ext uri="{BB962C8B-B14F-4D97-AF65-F5344CB8AC3E}">
-        <p14:creationId xmlns:p14="http://schemas.microsoft.com/office/powerpoint/2010/main" val="3703051112"/>
-      </p:ext>
-    </p:extLst>
-  </p:cSld>
-  <p:clrMapOvr>
-    <a:masterClrMapping/>
-  </p:clrMapOvr>
-</p:sld>
-</file>
-
-<file path=ppt/slides/slide9.xml><?xml version="1.0" encoding="utf-8"?>
-<p:sld xmlns:a="http://schemas.openxmlformats.org/drawingml/2006/main" xmlns:r="http://schemas.openxmlformats.org/officeDocument/2006/relationships" xmlns:p="http://schemas.openxmlformats.org/presentationml/2006/main">
-  <p:cSld>
-    <p:spTree>
-      <p:nvGrpSpPr>
-        <p:cNvPr id="1" name=""/>
-        <p:cNvGrpSpPr/>
-        <p:nvPr/>
-      </p:nvGrpSpPr>
-      <p:grpSpPr>
-        <a:xfrm>
-          <a:off x="0" y="0"/>
-          <a:ext cx="0" cy="0"/>
-          <a:chOff x="0" y="0"/>
-          <a:chExt cx="0" cy="0"/>
-        </a:xfrm>
-      </p:grpSpPr>
-      <p:sp>
-        <p:nvSpPr>
           <p:cNvPr id="4" name="Slide Number Placeholder 3">
             <a:extLst>
               <a:ext uri="{FF2B5EF4-FFF2-40B4-BE49-F238E27FC236}">
@@ -6135,7 +5870,7 @@
             </a:pPr>
             <a:fld id="{00000000-1234-1234-1234-123412341234}" type="slidenum">
               <a:rPr lang="en" smtClean="0"/>
-              <a:t>9</a:t>
+              <a:t>8</a:t>
             </a:fld>
             <a:endParaRPr lang="en"/>
           </a:p>

--- a/2020 ASPE Recognitions...pptx
+++ b/2020 ASPE Recognitions...pptx
@@ -5,7 +5,7 @@
     <p:sldMasterId id="2147483653" r:id="rId1"/>
   </p:sldMasterIdLst>
   <p:notesMasterIdLst>
-    <p:notesMasterId r:id="rId10"/>
+    <p:notesMasterId r:id="rId12"/>
   </p:notesMasterIdLst>
   <p:sldIdLst>
     <p:sldId id="258" r:id="rId2"/>
@@ -15,21 +15,23 @@
     <p:sldId id="260" r:id="rId6"/>
     <p:sldId id="261" r:id="rId7"/>
     <p:sldId id="262" r:id="rId8"/>
-    <p:sldId id="264" r:id="rId9"/>
+    <p:sldId id="266" r:id="rId9"/>
+    <p:sldId id="265" r:id="rId10"/>
+    <p:sldId id="264" r:id="rId11"/>
   </p:sldIdLst>
   <p:sldSz cx="9144000" cy="5143500" type="screen16x9"/>
   <p:notesSz cx="6858000" cy="9144000"/>
   <p:embeddedFontLst>
     <p:embeddedFont>
       <p:font typeface="Arial Black" panose="020B0A04020102020204" pitchFamily="34" charset="0"/>
-      <p:bold r:id="rId11"/>
+      <p:bold r:id="rId13"/>
     </p:embeddedFont>
     <p:embeddedFont>
       <p:font typeface="Roboto" panose="020B0604020202020204" charset="0"/>
-      <p:regular r:id="rId12"/>
-      <p:bold r:id="rId13"/>
-      <p:italic r:id="rId14"/>
-      <p:boldItalic r:id="rId15"/>
+      <p:regular r:id="rId14"/>
+      <p:bold r:id="rId15"/>
+      <p:italic r:id="rId16"/>
+      <p:boldItalic r:id="rId17"/>
     </p:embeddedFont>
   </p:embeddedFontLst>
   <p:defaultTextStyle>
@@ -927,6 +929,204 @@
         </p:txBody>
       </p:sp>
     </p:spTree>
+  </p:cSld>
+  <p:clrMapOvr>
+    <a:masterClrMapping/>
+  </p:clrMapOvr>
+</p:notes>
+</file>
+
+<file path=ppt/notesSlides/notesSlide3.xml><?xml version="1.0" encoding="utf-8"?>
+<p:notes xmlns:a="http://schemas.openxmlformats.org/drawingml/2006/main" xmlns:r="http://schemas.openxmlformats.org/officeDocument/2006/relationships" xmlns:p="http://schemas.openxmlformats.org/presentationml/2006/main">
+  <p:cSld>
+    <p:spTree>
+      <p:nvGrpSpPr>
+        <p:cNvPr id="1" name=""/>
+        <p:cNvGrpSpPr/>
+        <p:nvPr/>
+      </p:nvGrpSpPr>
+      <p:grpSpPr>
+        <a:xfrm>
+          <a:off x="0" y="0"/>
+          <a:ext cx="0" cy="0"/>
+          <a:chOff x="0" y="0"/>
+          <a:chExt cx="0" cy="0"/>
+        </a:xfrm>
+      </p:grpSpPr>
+      <p:sp>
+        <p:nvSpPr>
+          <p:cNvPr id="2" name="Slide Image Placeholder 1"/>
+          <p:cNvSpPr>
+            <a:spLocks noGrp="1" noRot="1" noChangeAspect="1"/>
+          </p:cNvSpPr>
+          <p:nvPr>
+            <p:ph type="sldImg"/>
+          </p:nvPr>
+        </p:nvSpPr>
+        <p:spPr>
+          <a:xfrm>
+            <a:off x="381000" y="685800"/>
+            <a:ext cx="6096000" cy="3429000"/>
+          </a:xfrm>
+        </p:spPr>
+      </p:sp>
+      <p:sp>
+        <p:nvSpPr>
+          <p:cNvPr id="3" name="Notes Placeholder 2"/>
+          <p:cNvSpPr>
+            <a:spLocks noGrp="1"/>
+          </p:cNvSpPr>
+          <p:nvPr>
+            <p:ph type="body" idx="1"/>
+          </p:nvPr>
+        </p:nvSpPr>
+        <p:spPr/>
+        <p:txBody>
+          <a:bodyPr/>
+          <a:lstStyle/>
+          <a:p>
+            <a:endParaRPr lang="en-US" dirty="0"/>
+          </a:p>
+        </p:txBody>
+      </p:sp>
+    </p:spTree>
+    <p:extLst>
+      <p:ext uri="{BB962C8B-B14F-4D97-AF65-F5344CB8AC3E}">
+        <p14:creationId xmlns:p14="http://schemas.microsoft.com/office/powerpoint/2010/main" val="1275271207"/>
+      </p:ext>
+    </p:extLst>
+  </p:cSld>
+  <p:clrMapOvr>
+    <a:masterClrMapping/>
+  </p:clrMapOvr>
+</p:notes>
+</file>
+
+<file path=ppt/notesSlides/notesSlide4.xml><?xml version="1.0" encoding="utf-8"?>
+<p:notes xmlns:a="http://schemas.openxmlformats.org/drawingml/2006/main" xmlns:r="http://schemas.openxmlformats.org/officeDocument/2006/relationships" xmlns:p="http://schemas.openxmlformats.org/presentationml/2006/main">
+  <p:cSld>
+    <p:spTree>
+      <p:nvGrpSpPr>
+        <p:cNvPr id="1" name=""/>
+        <p:cNvGrpSpPr/>
+        <p:nvPr/>
+      </p:nvGrpSpPr>
+      <p:grpSpPr>
+        <a:xfrm>
+          <a:off x="0" y="0"/>
+          <a:ext cx="0" cy="0"/>
+          <a:chOff x="0" y="0"/>
+          <a:chExt cx="0" cy="0"/>
+        </a:xfrm>
+      </p:grpSpPr>
+      <p:sp>
+        <p:nvSpPr>
+          <p:cNvPr id="2" name="Slide Image Placeholder 1"/>
+          <p:cNvSpPr>
+            <a:spLocks noGrp="1" noRot="1" noChangeAspect="1"/>
+          </p:cNvSpPr>
+          <p:nvPr>
+            <p:ph type="sldImg"/>
+          </p:nvPr>
+        </p:nvSpPr>
+        <p:spPr>
+          <a:xfrm>
+            <a:off x="381000" y="685800"/>
+            <a:ext cx="6096000" cy="3429000"/>
+          </a:xfrm>
+        </p:spPr>
+      </p:sp>
+      <p:sp>
+        <p:nvSpPr>
+          <p:cNvPr id="3" name="Notes Placeholder 2"/>
+          <p:cNvSpPr>
+            <a:spLocks noGrp="1"/>
+          </p:cNvSpPr>
+          <p:nvPr>
+            <p:ph type="body" idx="1"/>
+          </p:nvPr>
+        </p:nvSpPr>
+        <p:spPr/>
+        <p:txBody>
+          <a:bodyPr/>
+          <a:lstStyle/>
+          <a:p>
+            <a:endParaRPr lang="en-US" dirty="0"/>
+          </a:p>
+        </p:txBody>
+      </p:sp>
+    </p:spTree>
+    <p:extLst>
+      <p:ext uri="{BB962C8B-B14F-4D97-AF65-F5344CB8AC3E}">
+        <p14:creationId xmlns:p14="http://schemas.microsoft.com/office/powerpoint/2010/main" val="3908489312"/>
+      </p:ext>
+    </p:extLst>
+  </p:cSld>
+  <p:clrMapOvr>
+    <a:masterClrMapping/>
+  </p:clrMapOvr>
+</p:notes>
+</file>
+
+<file path=ppt/notesSlides/notesSlide5.xml><?xml version="1.0" encoding="utf-8"?>
+<p:notes xmlns:a="http://schemas.openxmlformats.org/drawingml/2006/main" xmlns:r="http://schemas.openxmlformats.org/officeDocument/2006/relationships" xmlns:p="http://schemas.openxmlformats.org/presentationml/2006/main">
+  <p:cSld>
+    <p:spTree>
+      <p:nvGrpSpPr>
+        <p:cNvPr id="1" name=""/>
+        <p:cNvGrpSpPr/>
+        <p:nvPr/>
+      </p:nvGrpSpPr>
+      <p:grpSpPr>
+        <a:xfrm>
+          <a:off x="0" y="0"/>
+          <a:ext cx="0" cy="0"/>
+          <a:chOff x="0" y="0"/>
+          <a:chExt cx="0" cy="0"/>
+        </a:xfrm>
+      </p:grpSpPr>
+      <p:sp>
+        <p:nvSpPr>
+          <p:cNvPr id="2" name="Slide Image Placeholder 1"/>
+          <p:cNvSpPr>
+            <a:spLocks noGrp="1" noRot="1" noChangeAspect="1"/>
+          </p:cNvSpPr>
+          <p:nvPr>
+            <p:ph type="sldImg"/>
+          </p:nvPr>
+        </p:nvSpPr>
+        <p:spPr>
+          <a:xfrm>
+            <a:off x="381000" y="685800"/>
+            <a:ext cx="6096000" cy="3429000"/>
+          </a:xfrm>
+        </p:spPr>
+      </p:sp>
+      <p:sp>
+        <p:nvSpPr>
+          <p:cNvPr id="3" name="Notes Placeholder 2"/>
+          <p:cNvSpPr>
+            <a:spLocks noGrp="1"/>
+          </p:cNvSpPr>
+          <p:nvPr>
+            <p:ph type="body" idx="1"/>
+          </p:nvPr>
+        </p:nvSpPr>
+        <p:spPr/>
+        <p:txBody>
+          <a:bodyPr/>
+          <a:lstStyle/>
+          <a:p>
+            <a:endParaRPr lang="en-US" dirty="0"/>
+          </a:p>
+        </p:txBody>
+      </p:sp>
+    </p:spTree>
+    <p:extLst>
+      <p:ext uri="{BB962C8B-B14F-4D97-AF65-F5344CB8AC3E}">
+        <p14:creationId xmlns:p14="http://schemas.microsoft.com/office/powerpoint/2010/main" val="1704933399"/>
+      </p:ext>
+    </p:extLst>
   </p:cSld>
   <p:clrMapOvr>
     <a:masterClrMapping/>
@@ -4019,7 +4219,7 @@
           <a:p>
             <a:r>
               <a:rPr lang="de-DE" dirty="0"/>
-              <a:t>ASPE 2020 Annual Meeting – October 20-23, 2020</a:t>
+              <a:t>ASPE 2020 Annual Meeting – October 21, 2020</a:t>
             </a:r>
           </a:p>
         </p:txBody>
@@ -4062,6 +4262,269 @@
     <p:extLst>
       <p:ext uri="{BB962C8B-B14F-4D97-AF65-F5344CB8AC3E}">
         <p14:creationId xmlns:p14="http://schemas.microsoft.com/office/powerpoint/2010/main" val="3234968223"/>
+      </p:ext>
+    </p:extLst>
+  </p:cSld>
+  <p:clrMapOvr>
+    <a:masterClrMapping/>
+  </p:clrMapOvr>
+</p:sld>
+</file>
+
+<file path=ppt/slides/slide10.xml><?xml version="1.0" encoding="utf-8"?>
+<p:sld xmlns:a="http://schemas.openxmlformats.org/drawingml/2006/main" xmlns:r="http://schemas.openxmlformats.org/officeDocument/2006/relationships" xmlns:p="http://schemas.openxmlformats.org/presentationml/2006/main">
+  <p:cSld>
+    <p:spTree>
+      <p:nvGrpSpPr>
+        <p:cNvPr id="1" name=""/>
+        <p:cNvGrpSpPr/>
+        <p:nvPr/>
+      </p:nvGrpSpPr>
+      <p:grpSpPr>
+        <a:xfrm>
+          <a:off x="0" y="0"/>
+          <a:ext cx="0" cy="0"/>
+          <a:chOff x="0" y="0"/>
+          <a:chExt cx="0" cy="0"/>
+        </a:xfrm>
+      </p:grpSpPr>
+      <p:sp>
+        <p:nvSpPr>
+          <p:cNvPr id="4" name="Slide Number Placeholder 3">
+            <a:extLst>
+              <a:ext uri="{FF2B5EF4-FFF2-40B4-BE49-F238E27FC236}">
+                <a16:creationId xmlns:a16="http://schemas.microsoft.com/office/drawing/2014/main" id="{E479D7BE-BB54-4EF6-BFC9-0C8FCD8D0EB0}"/>
+              </a:ext>
+            </a:extLst>
+          </p:cNvPr>
+          <p:cNvSpPr>
+            <a:spLocks noGrp="1"/>
+          </p:cNvSpPr>
+          <p:nvPr>
+            <p:ph type="sldNum" idx="12"/>
+          </p:nvPr>
+        </p:nvSpPr>
+        <p:spPr/>
+        <p:txBody>
+          <a:bodyPr/>
+          <a:lstStyle/>
+          <a:p>
+            <a:pPr marL="0" lvl="0" indent="0" algn="r" rtl="0">
+              <a:spcBef>
+                <a:spcPts val="0"/>
+              </a:spcBef>
+              <a:spcAft>
+                <a:spcPts val="0"/>
+              </a:spcAft>
+              <a:buNone/>
+            </a:pPr>
+            <a:fld id="{00000000-1234-1234-1234-123412341234}" type="slidenum">
+              <a:rPr lang="en" smtClean="0"/>
+              <a:t>10</a:t>
+            </a:fld>
+            <a:endParaRPr lang="en"/>
+          </a:p>
+        </p:txBody>
+      </p:sp>
+      <p:sp>
+        <p:nvSpPr>
+          <p:cNvPr id="5" name="Slide Number Placeholder 4">
+            <a:extLst>
+              <a:ext uri="{FF2B5EF4-FFF2-40B4-BE49-F238E27FC236}">
+                <a16:creationId xmlns:a16="http://schemas.microsoft.com/office/drawing/2014/main" id="{0CE005E1-22A0-4112-817A-021BFE664E73}"/>
+              </a:ext>
+            </a:extLst>
+          </p:cNvPr>
+          <p:cNvSpPr>
+            <a:spLocks noGrp="1"/>
+          </p:cNvSpPr>
+          <p:nvPr>
+            <p:ph type="sldNum" idx="2"/>
+          </p:nvPr>
+        </p:nvSpPr>
+        <p:spPr/>
+        <p:txBody>
+          <a:bodyPr/>
+          <a:lstStyle/>
+          <a:p>
+            <a:r>
+              <a:rPr lang="de-DE" dirty="0"/>
+              <a:t>ASPE 2020 Annual Meeting – October 21, 2020</a:t>
+            </a:r>
+          </a:p>
+        </p:txBody>
+      </p:sp>
+      <p:sp>
+        <p:nvSpPr>
+          <p:cNvPr id="6" name="Title 1">
+            <a:extLst>
+              <a:ext uri="{FF2B5EF4-FFF2-40B4-BE49-F238E27FC236}">
+                <a16:creationId xmlns:a16="http://schemas.microsoft.com/office/drawing/2014/main" id="{C4792D84-C938-481C-9234-F412D7E29332}"/>
+              </a:ext>
+            </a:extLst>
+          </p:cNvPr>
+          <p:cNvSpPr>
+            <a:spLocks noGrp="1"/>
+          </p:cNvSpPr>
+          <p:nvPr>
+            <p:ph type="ctrTitle"/>
+          </p:nvPr>
+        </p:nvSpPr>
+        <p:spPr>
+          <a:xfrm>
+            <a:off x="643172" y="375690"/>
+            <a:ext cx="4961018" cy="648787"/>
+          </a:xfrm>
+        </p:spPr>
+        <p:txBody>
+          <a:bodyPr/>
+          <a:lstStyle/>
+          <a:p>
+            <a:r>
+              <a:rPr lang="en-US" dirty="0"/>
+              <a:t>Organizing Committee:</a:t>
+            </a:r>
+          </a:p>
+        </p:txBody>
+      </p:sp>
+      <p:sp>
+        <p:nvSpPr>
+          <p:cNvPr id="7" name="Subtitle 2">
+            <a:extLst>
+              <a:ext uri="{FF2B5EF4-FFF2-40B4-BE49-F238E27FC236}">
+                <a16:creationId xmlns:a16="http://schemas.microsoft.com/office/drawing/2014/main" id="{1765F081-88BA-4D23-A57C-59FE14736B7A}"/>
+              </a:ext>
+            </a:extLst>
+          </p:cNvPr>
+          <p:cNvSpPr>
+            <a:spLocks noGrp="1"/>
+          </p:cNvSpPr>
+          <p:nvPr>
+            <p:ph type="subTitle" idx="1"/>
+          </p:nvPr>
+        </p:nvSpPr>
+        <p:spPr>
+          <a:xfrm>
+            <a:off x="1161390" y="1113201"/>
+            <a:ext cx="6479392" cy="3461300"/>
+          </a:xfrm>
+        </p:spPr>
+        <p:txBody>
+          <a:bodyPr/>
+          <a:lstStyle/>
+          <a:p>
+            <a:pPr lvl="1"/>
+            <a:r>
+              <a:rPr lang="en-US" sz="1600" dirty="0"/>
+              <a:t>Luis A. Aguirre, 3M Company</a:t>
+            </a:r>
+          </a:p>
+          <a:p>
+            <a:pPr lvl="1"/>
+            <a:r>
+              <a:rPr lang="en-US" sz="1600" dirty="0"/>
+              <a:t>Kumar Arumugam, University of North Carolina-Charlotte</a:t>
+            </a:r>
+          </a:p>
+          <a:p>
+            <a:pPr lvl="1"/>
+            <a:r>
+              <a:rPr lang="en-US" sz="1600" dirty="0"/>
+              <a:t>Marcin </a:t>
+            </a:r>
+            <a:r>
+              <a:rPr lang="en-US" sz="1600" dirty="0" err="1"/>
+              <a:t>Bauza</a:t>
+            </a:r>
+            <a:r>
+              <a:rPr lang="en-US" sz="1600" dirty="0"/>
+              <a:t>, ZEISS Industrial Quality Solutions</a:t>
+            </a:r>
+          </a:p>
+          <a:p>
+            <a:pPr lvl="1"/>
+            <a:r>
+              <a:rPr lang="en-US" sz="1600" dirty="0"/>
+              <a:t>Raymond C. Cady, Corning</a:t>
+            </a:r>
+          </a:p>
+          <a:p>
+            <a:pPr lvl="1"/>
+            <a:r>
+              <a:rPr lang="en-US" sz="1600" dirty="0"/>
+              <a:t>Jacob Cole, University of North Carolina-Charlotte</a:t>
+            </a:r>
+          </a:p>
+          <a:p>
+            <a:pPr lvl="1"/>
+            <a:r>
+              <a:rPr lang="en-US" sz="1600" dirty="0"/>
+              <a:t>Tim Dalrymple, Independent</a:t>
+            </a:r>
+          </a:p>
+          <a:p>
+            <a:pPr lvl="1"/>
+            <a:r>
+              <a:rPr lang="en-US" sz="1600" dirty="0"/>
+              <a:t>Mark Kosmowski, ESI</a:t>
+            </a:r>
+          </a:p>
+          <a:p>
+            <a:pPr lvl="1"/>
+            <a:r>
+              <a:rPr lang="en-US" sz="1600" dirty="0"/>
+              <a:t>Byron Knapp, Professional Instruments Company</a:t>
+            </a:r>
+          </a:p>
+          <a:p>
+            <a:pPr lvl="1"/>
+            <a:r>
+              <a:rPr lang="en-US" sz="1600" dirty="0"/>
+              <a:t>Rafael Marangoni, NIST</a:t>
+            </a:r>
+          </a:p>
+          <a:p>
+            <a:pPr lvl="1"/>
+            <a:r>
+              <a:rPr lang="en-US" sz="1600" dirty="0"/>
+              <a:t>Robert </a:t>
+            </a:r>
+            <a:r>
+              <a:rPr lang="en-US" sz="1600" dirty="0" err="1"/>
+              <a:t>Panas</a:t>
+            </a:r>
+            <a:r>
+              <a:rPr lang="en-US" sz="1600" dirty="0"/>
+              <a:t>, LLNL</a:t>
+            </a:r>
+          </a:p>
+          <a:p>
+            <a:pPr lvl="1"/>
+            <a:r>
+              <a:rPr lang="en-US" sz="1600" dirty="0"/>
+              <a:t>Nilabh Roy, Canon Nanotechnologies.</a:t>
+            </a:r>
+          </a:p>
+          <a:p>
+            <a:pPr lvl="1"/>
+            <a:r>
+              <a:rPr lang="en-US" sz="1600" dirty="0"/>
+              <a:t>Stuart T. Smith, University of North Carolina-Charlotte</a:t>
+            </a:r>
+          </a:p>
+          <a:p>
+            <a:pPr lvl="1"/>
+            <a:r>
+              <a:rPr lang="en-US" sz="1600" dirty="0"/>
+              <a:t>Alex Sohn, Facebook Reality Labs</a:t>
+            </a:r>
+          </a:p>
+        </p:txBody>
+      </p:sp>
+    </p:spTree>
+    <p:extLst>
+      <p:ext uri="{BB962C8B-B14F-4D97-AF65-F5344CB8AC3E}">
+        <p14:creationId xmlns:p14="http://schemas.microsoft.com/office/powerpoint/2010/main" val="1684292567"/>
       </p:ext>
     </p:extLst>
   </p:cSld>
@@ -4235,6 +4698,22 @@
             </a:pPr>
             <a:r>
               <a:rPr lang="en-US" sz="2600" dirty="0"/>
+              <a:t>Call for participation.</a:t>
+            </a:r>
+          </a:p>
+          <a:p>
+            <a:pPr marL="514350" lvl="0" indent="-514350" algn="l" rtl="0">
+              <a:spcBef>
+                <a:spcPts val="0"/>
+              </a:spcBef>
+              <a:spcAft>
+                <a:spcPts val="0"/>
+              </a:spcAft>
+              <a:buFont typeface="+mj-lt"/>
+              <a:buAutoNum type="arabicPeriod"/>
+            </a:pPr>
+            <a:r>
+              <a:rPr lang="en-US" sz="2600" dirty="0"/>
               <a:t>Organizing Committee.</a:t>
             </a:r>
             <a:endParaRPr sz="2600" dirty="0"/>
@@ -4310,7 +4789,7 @@
           <a:p>
             <a:r>
               <a:rPr lang="de-DE" dirty="0"/>
-              <a:t>ASPE 2020 Annual Meeting – October 20-23, 2020</a:t>
+              <a:t>ASPE 2020 Annual Meeting – October 21, 2020</a:t>
             </a:r>
           </a:p>
         </p:txBody>
@@ -4456,7 +4935,7 @@
           <a:p>
             <a:r>
               <a:rPr lang="de-DE" dirty="0"/>
-              <a:t>ASPE 2020 Annual Meeting – October 20-23, 2020</a:t>
+              <a:t>ASPE 2020 Annual Meeting – October 21, 2020</a:t>
             </a:r>
           </a:p>
         </p:txBody>
@@ -5351,10 +5830,9 @@
           <a:lstStyle/>
           <a:p>
             <a:r>
-              <a:rPr lang="de-DE"/>
-              <a:t>ASPE 2020 Annual Meeting – October 20-23, 2020</a:t>
+              <a:rPr lang="de-DE" dirty="0"/>
+              <a:t>ASPE 2020 Annual Meeting – October 21, 2020</a:t>
             </a:r>
-            <a:endParaRPr lang="de-DE" dirty="0"/>
           </a:p>
         </p:txBody>
       </p:sp>
@@ -5404,14 +5882,19 @@
             <p:ph type="ctrTitle"/>
           </p:nvPr>
         </p:nvSpPr>
-        <p:spPr/>
+        <p:spPr>
+          <a:xfrm>
+            <a:off x="311700" y="1665292"/>
+            <a:ext cx="8709458" cy="1717988"/>
+          </a:xfrm>
+        </p:spPr>
         <p:txBody>
           <a:bodyPr/>
           <a:lstStyle/>
           <a:p>
             <a:r>
               <a:rPr lang="en-US" dirty="0"/>
-              <a:t>Slide with Third place Team Pictures and names.  Also include a picture of device.</a:t>
+              <a:t>Slide with Second place Team Pictures and names.  Also include a picture of device.</a:t>
             </a:r>
           </a:p>
         </p:txBody>
@@ -5432,7 +5915,12 @@
             <p:ph type="subTitle" idx="1"/>
           </p:nvPr>
         </p:nvSpPr>
-        <p:spPr/>
+        <p:spPr>
+          <a:xfrm>
+            <a:off x="310069" y="3697263"/>
+            <a:ext cx="8520600" cy="792600"/>
+          </a:xfrm>
+        </p:spPr>
         <p:txBody>
           <a:bodyPr/>
           <a:lstStyle/>
@@ -5501,10 +5989,9 @@
           <a:lstStyle/>
           <a:p>
             <a:r>
-              <a:rPr lang="de-DE"/>
-              <a:t>ASPE 2020 Annual Meeting – October 20-23, 2020</a:t>
+              <a:rPr lang="de-DE" dirty="0"/>
+              <a:t>ASPE 2020 Annual Meeting – October 21, 2020</a:t>
             </a:r>
-            <a:endParaRPr lang="de-DE" dirty="0"/>
           </a:p>
         </p:txBody>
       </p:sp>
@@ -5561,7 +6048,7 @@
           <a:p>
             <a:r>
               <a:rPr lang="en-US" dirty="0"/>
-              <a:t>Slide with Third place Team Pictures and names.  Also include a picture of device.</a:t>
+              <a:t>Slide with First place Team Pictures and names.  Also include a picture of device.</a:t>
             </a:r>
           </a:p>
         </p:txBody>
@@ -5651,10 +6138,9 @@
           <a:lstStyle/>
           <a:p>
             <a:r>
-              <a:rPr lang="de-DE"/>
-              <a:t>ASPE 2020 Annual Meeting – October 20-23, 2020</a:t>
+              <a:rPr lang="de-DE" dirty="0"/>
+              <a:t>ASPE 2020 Annual Meeting – October 21, 2020</a:t>
             </a:r>
-            <a:endParaRPr lang="de-DE" dirty="0"/>
           </a:p>
         </p:txBody>
       </p:sp>
@@ -5711,7 +6197,7 @@
           <a:p>
             <a:r>
               <a:rPr lang="en-US" dirty="0"/>
-              <a:t>Slide with Third place Team Pictures and names.  Also include a picture of device.</a:t>
+              <a:t>Slide with special recognition</a:t>
             </a:r>
           </a:p>
         </p:txBody>
@@ -5801,10 +6287,9 @@
           <a:lstStyle/>
           <a:p>
             <a:r>
-              <a:rPr lang="de-DE"/>
-              <a:t>ASPE 2020 Annual Meeting – October 20-23, 2020</a:t>
+              <a:rPr lang="de-DE" dirty="0"/>
+              <a:t>ASPE 2020 Annual Meeting – October 21, 2020</a:t>
             </a:r>
-            <a:endParaRPr lang="de-DE" dirty="0"/>
           </a:p>
         </p:txBody>
       </p:sp>
@@ -5898,10 +6383,9 @@
           <a:lstStyle/>
           <a:p>
             <a:r>
-              <a:rPr lang="de-DE"/>
-              <a:t>ASPE 2020 Annual Meeting – October 20-23, 2020</a:t>
+              <a:rPr lang="de-DE" dirty="0"/>
+              <a:t>ASPE 2020 Annual Meeting – October 21, 2020</a:t>
             </a:r>
-            <a:endParaRPr lang="de-DE" dirty="0"/>
           </a:p>
         </p:txBody>
       </p:sp>
@@ -5924,7 +6408,7 @@
         <p:spPr>
           <a:xfrm>
             <a:off x="643172" y="375690"/>
-            <a:ext cx="4961018" cy="648787"/>
+            <a:ext cx="7494988" cy="648787"/>
           </a:xfrm>
         </p:spPr>
         <p:txBody>
@@ -5933,7 +6417,7 @@
           <a:p>
             <a:r>
               <a:rPr lang="en-US" dirty="0"/>
-              <a:t>Organizing Committee:</a:t>
+              <a:t>Benefits for the students:</a:t>
             </a:r>
           </a:p>
         </p:txBody>
@@ -5956,126 +6440,300 @@
         </p:nvSpPr>
         <p:spPr>
           <a:xfrm>
-            <a:off x="1161390" y="1113201"/>
-            <a:ext cx="6479392" cy="3461300"/>
+            <a:off x="1161389" y="1113201"/>
+            <a:ext cx="7126399" cy="3461300"/>
           </a:xfrm>
         </p:spPr>
         <p:txBody>
           <a:bodyPr/>
           <a:lstStyle/>
           <a:p>
+            <a:r>
+              <a:rPr lang="en-US" sz="1800" dirty="0"/>
+              <a:t>Mention here the pluses of forming a team:</a:t>
+            </a:r>
+          </a:p>
+          <a:p>
             <a:pPr lvl="1"/>
             <a:r>
-              <a:rPr lang="en-US" sz="1600" dirty="0"/>
-              <a:t>Luis A. Aguirre, 3M Company</a:t>
+              <a:rPr lang="en-US" sz="1800" dirty="0"/>
+              <a:t>Get an opportunity to collaborate with the society – from other universities and from experienced ASPE members.</a:t>
             </a:r>
           </a:p>
           <a:p>
             <a:pPr lvl="1"/>
             <a:r>
-              <a:rPr lang="en-US" sz="1600" dirty="0"/>
-              <a:t>Kumar Arumugam, University of North Carolina-Charlotte</a:t>
+              <a:rPr lang="en-US" sz="1800" dirty="0"/>
+              <a:t>Learn to take a project to completion in a few hours by delegating and by designing simple solutions.</a:t>
             </a:r>
           </a:p>
           <a:p>
             <a:pPr lvl="1"/>
             <a:r>
-              <a:rPr lang="en-US" sz="1600" dirty="0"/>
-              <a:t>Marcin </a:t>
-            </a:r>
-            <a:r>
-              <a:rPr lang="en-US" sz="1600" dirty="0" err="1"/>
-              <a:t>Bauza</a:t>
-            </a:r>
-            <a:r>
-              <a:rPr lang="en-US" sz="1600" dirty="0"/>
-              <a:t>, ZEISS Industrial Quality Solutions</a:t>
+              <a:rPr lang="en-US" sz="1800" dirty="0"/>
+              <a:t>Typically the challenge will help students with registrations and some tutorials.</a:t>
             </a:r>
           </a:p>
           <a:p>
             <a:pPr lvl="1"/>
             <a:r>
-              <a:rPr lang="en-US" sz="1600" dirty="0"/>
-              <a:t>Raymond C. Cady, Corning</a:t>
+              <a:rPr lang="en-US" sz="1800" dirty="0"/>
+              <a:t>First place to third place get various opportunities and monetary recognition.</a:t>
             </a:r>
           </a:p>
           <a:p>
             <a:pPr lvl="1"/>
             <a:r>
-              <a:rPr lang="en-US" sz="1600" dirty="0"/>
-              <a:t>Jacob Cole, University of North Carolina-Charlotte</a:t>
+              <a:rPr lang="en-US" sz="1800" dirty="0"/>
+              <a:t>…..</a:t>
             </a:r>
           </a:p>
           <a:p>
             <a:pPr lvl="1"/>
-            <a:r>
-              <a:rPr lang="en-US" sz="1600" dirty="0"/>
-              <a:t>Tim Dalrymple, Independent</a:t>
-            </a:r>
+            <a:endParaRPr lang="en-US" sz="1800" dirty="0"/>
           </a:p>
           <a:p>
             <a:pPr lvl="1"/>
-            <a:r>
-              <a:rPr lang="en-US" sz="1600" dirty="0"/>
-              <a:t>Mark Kosmowski, ESI</a:t>
-            </a:r>
-          </a:p>
-          <a:p>
-            <a:pPr lvl="1"/>
-            <a:r>
-              <a:rPr lang="en-US" sz="1600" dirty="0"/>
-              <a:t>Byron Knapp, Professional Instruments Company</a:t>
-            </a:r>
-          </a:p>
-          <a:p>
-            <a:pPr lvl="1"/>
-            <a:r>
-              <a:rPr lang="en-US" sz="1600" dirty="0"/>
-              <a:t>Rafael Marangoni, NIST</a:t>
-            </a:r>
-          </a:p>
-          <a:p>
-            <a:pPr lvl="1"/>
-            <a:r>
-              <a:rPr lang="en-US" sz="1600" dirty="0"/>
-              <a:t>Robert </a:t>
-            </a:r>
-            <a:r>
-              <a:rPr lang="en-US" sz="1600" dirty="0" err="1"/>
-              <a:t>Panas</a:t>
-            </a:r>
-            <a:r>
-              <a:rPr lang="en-US" sz="1600" dirty="0"/>
-              <a:t>, LLNL</a:t>
-            </a:r>
-          </a:p>
-          <a:p>
-            <a:pPr lvl="1"/>
-            <a:r>
-              <a:rPr lang="en-US" sz="1600" dirty="0"/>
-              <a:t>Nilabh Roy, Canon Nanotechnologies.</a:t>
-            </a:r>
-          </a:p>
-          <a:p>
-            <a:pPr lvl="1"/>
-            <a:r>
-              <a:rPr lang="en-US" sz="1600" dirty="0"/>
-              <a:t>Stuart T. Smith, University of North Carolina-Charlotte</a:t>
-            </a:r>
-          </a:p>
-          <a:p>
-            <a:pPr lvl="1"/>
-            <a:r>
-              <a:rPr lang="en-US" sz="1600" dirty="0"/>
-              <a:t>Alex Sohn, Facebook Reality Labs</a:t>
-            </a:r>
+            <a:endParaRPr lang="en-US" sz="1800" dirty="0"/>
           </a:p>
         </p:txBody>
       </p:sp>
     </p:spTree>
     <p:extLst>
       <p:ext uri="{BB962C8B-B14F-4D97-AF65-F5344CB8AC3E}">
-        <p14:creationId xmlns:p14="http://schemas.microsoft.com/office/powerpoint/2010/main" val="1684292567"/>
+        <p14:creationId xmlns:p14="http://schemas.microsoft.com/office/powerpoint/2010/main" val="1551180421"/>
+      </p:ext>
+    </p:extLst>
+  </p:cSld>
+  <p:clrMapOvr>
+    <a:masterClrMapping/>
+  </p:clrMapOvr>
+</p:sld>
+</file>
+
+<file path=ppt/slides/slide9.xml><?xml version="1.0" encoding="utf-8"?>
+<p:sld xmlns:a="http://schemas.openxmlformats.org/drawingml/2006/main" xmlns:r="http://schemas.openxmlformats.org/officeDocument/2006/relationships" xmlns:p="http://schemas.openxmlformats.org/presentationml/2006/main">
+  <p:cSld>
+    <p:spTree>
+      <p:nvGrpSpPr>
+        <p:cNvPr id="1" name=""/>
+        <p:cNvGrpSpPr/>
+        <p:nvPr/>
+      </p:nvGrpSpPr>
+      <p:grpSpPr>
+        <a:xfrm>
+          <a:off x="0" y="0"/>
+          <a:ext cx="0" cy="0"/>
+          <a:chOff x="0" y="0"/>
+          <a:chExt cx="0" cy="0"/>
+        </a:xfrm>
+      </p:grpSpPr>
+      <p:sp>
+        <p:nvSpPr>
+          <p:cNvPr id="4" name="Slide Number Placeholder 3">
+            <a:extLst>
+              <a:ext uri="{FF2B5EF4-FFF2-40B4-BE49-F238E27FC236}">
+                <a16:creationId xmlns:a16="http://schemas.microsoft.com/office/drawing/2014/main" id="{E479D7BE-BB54-4EF6-BFC9-0C8FCD8D0EB0}"/>
+              </a:ext>
+            </a:extLst>
+          </p:cNvPr>
+          <p:cNvSpPr>
+            <a:spLocks noGrp="1"/>
+          </p:cNvSpPr>
+          <p:nvPr>
+            <p:ph type="sldNum" idx="12"/>
+          </p:nvPr>
+        </p:nvSpPr>
+        <p:spPr/>
+        <p:txBody>
+          <a:bodyPr/>
+          <a:lstStyle/>
+          <a:p>
+            <a:pPr marL="0" lvl="0" indent="0" algn="r" rtl="0">
+              <a:spcBef>
+                <a:spcPts val="0"/>
+              </a:spcBef>
+              <a:spcAft>
+                <a:spcPts val="0"/>
+              </a:spcAft>
+              <a:buNone/>
+            </a:pPr>
+            <a:fld id="{00000000-1234-1234-1234-123412341234}" type="slidenum">
+              <a:rPr lang="en" smtClean="0"/>
+              <a:t>9</a:t>
+            </a:fld>
+            <a:endParaRPr lang="en"/>
+          </a:p>
+        </p:txBody>
+      </p:sp>
+      <p:sp>
+        <p:nvSpPr>
+          <p:cNvPr id="5" name="Slide Number Placeholder 4">
+            <a:extLst>
+              <a:ext uri="{FF2B5EF4-FFF2-40B4-BE49-F238E27FC236}">
+                <a16:creationId xmlns:a16="http://schemas.microsoft.com/office/drawing/2014/main" id="{0CE005E1-22A0-4112-817A-021BFE664E73}"/>
+              </a:ext>
+            </a:extLst>
+          </p:cNvPr>
+          <p:cNvSpPr>
+            <a:spLocks noGrp="1"/>
+          </p:cNvSpPr>
+          <p:nvPr>
+            <p:ph type="sldNum" idx="2"/>
+          </p:nvPr>
+        </p:nvSpPr>
+        <p:spPr/>
+        <p:txBody>
+          <a:bodyPr/>
+          <a:lstStyle/>
+          <a:p>
+            <a:r>
+              <a:rPr lang="de-DE" dirty="0"/>
+              <a:t>ASPE 2020 Annual Meeting – October 21, 2020</a:t>
+            </a:r>
+          </a:p>
+        </p:txBody>
+      </p:sp>
+      <p:sp>
+        <p:nvSpPr>
+          <p:cNvPr id="6" name="Title 1">
+            <a:extLst>
+              <a:ext uri="{FF2B5EF4-FFF2-40B4-BE49-F238E27FC236}">
+                <a16:creationId xmlns:a16="http://schemas.microsoft.com/office/drawing/2014/main" id="{C4792D84-C938-481C-9234-F412D7E29332}"/>
+              </a:ext>
+            </a:extLst>
+          </p:cNvPr>
+          <p:cNvSpPr>
+            <a:spLocks noGrp="1"/>
+          </p:cNvSpPr>
+          <p:nvPr>
+            <p:ph type="ctrTitle"/>
+          </p:nvPr>
+        </p:nvSpPr>
+        <p:spPr>
+          <a:xfrm>
+            <a:off x="643172" y="375690"/>
+            <a:ext cx="7494988" cy="648787"/>
+          </a:xfrm>
+        </p:spPr>
+        <p:txBody>
+          <a:bodyPr/>
+          <a:lstStyle/>
+          <a:p>
+            <a:r>
+              <a:rPr lang="en-US" dirty="0"/>
+              <a:t>Looking for Committee Members:</a:t>
+            </a:r>
+          </a:p>
+        </p:txBody>
+      </p:sp>
+      <p:sp>
+        <p:nvSpPr>
+          <p:cNvPr id="7" name="Subtitle 2">
+            <a:extLst>
+              <a:ext uri="{FF2B5EF4-FFF2-40B4-BE49-F238E27FC236}">
+                <a16:creationId xmlns:a16="http://schemas.microsoft.com/office/drawing/2014/main" id="{1765F081-88BA-4D23-A57C-59FE14736B7A}"/>
+              </a:ext>
+            </a:extLst>
+          </p:cNvPr>
+          <p:cNvSpPr>
+            <a:spLocks noGrp="1"/>
+          </p:cNvSpPr>
+          <p:nvPr>
+            <p:ph type="subTitle" idx="1"/>
+          </p:nvPr>
+        </p:nvSpPr>
+        <p:spPr>
+          <a:xfrm>
+            <a:off x="1161389" y="1113201"/>
+            <a:ext cx="7126399" cy="3461300"/>
+          </a:xfrm>
+        </p:spPr>
+        <p:txBody>
+          <a:bodyPr/>
+          <a:lstStyle/>
+          <a:p>
+            <a:r>
+              <a:rPr lang="en-US" sz="1800" dirty="0"/>
+              <a:t>Mention here the array of activities done by the committee:</a:t>
+            </a:r>
+          </a:p>
+          <a:p>
+            <a:pPr lvl="1"/>
+            <a:r>
+              <a:rPr lang="en-US" sz="1800" dirty="0"/>
+              <a:t>Proposing challenges.</a:t>
+            </a:r>
+          </a:p>
+          <a:p>
+            <a:pPr lvl="1"/>
+            <a:r>
+              <a:rPr lang="en-US" sz="1800" dirty="0"/>
+              <a:t>Design/Building sensors/actuators/tools.</a:t>
+            </a:r>
+          </a:p>
+          <a:p>
+            <a:pPr lvl="1"/>
+            <a:r>
+              <a:rPr lang="en-US" sz="1800" dirty="0"/>
+              <a:t>Looking for ways to have the students learn the basics.</a:t>
+            </a:r>
+          </a:p>
+          <a:p>
+            <a:pPr lvl="1"/>
+            <a:r>
+              <a:rPr lang="en-US" sz="1800" dirty="0"/>
+              <a:t>Help developing software templates that the students can use.</a:t>
+            </a:r>
+          </a:p>
+          <a:p>
+            <a:pPr lvl="1"/>
+            <a:r>
+              <a:rPr lang="en-US" sz="1800" dirty="0"/>
+              <a:t>Do tutorials ahead of the challenge.</a:t>
+            </a:r>
+          </a:p>
+          <a:p>
+            <a:pPr lvl="1"/>
+            <a:r>
+              <a:rPr lang="en-US" sz="1800" dirty="0"/>
+              <a:t>Do consulting sessions with the students.</a:t>
+            </a:r>
+          </a:p>
+          <a:p>
+            <a:pPr lvl="1"/>
+            <a:r>
+              <a:rPr lang="en-US" sz="1800" dirty="0"/>
+              <a:t>Develop the grading rubric.</a:t>
+            </a:r>
+          </a:p>
+          <a:p>
+            <a:pPr lvl="1"/>
+            <a:r>
+              <a:rPr lang="en-US" sz="1800" dirty="0"/>
+              <a:t>Sponsor and call other sponsors.</a:t>
+            </a:r>
+          </a:p>
+          <a:p>
+            <a:pPr lvl="1"/>
+            <a:r>
+              <a:rPr lang="en-US" sz="1800" dirty="0"/>
+              <a:t>Judge design and final presentations.</a:t>
+            </a:r>
+          </a:p>
+          <a:p>
+            <a:pPr lvl="1"/>
+            <a:r>
+              <a:rPr lang="en-US" sz="1800" dirty="0"/>
+              <a:t>We wide array of levels of expertise in the Committee.  (Manufacturing, Mechanical, Metrology and Controls)</a:t>
+            </a:r>
+          </a:p>
+        </p:txBody>
+      </p:sp>
+    </p:spTree>
+    <p:extLst>
+      <p:ext uri="{BB962C8B-B14F-4D97-AF65-F5344CB8AC3E}">
+        <p14:creationId xmlns:p14="http://schemas.microsoft.com/office/powerpoint/2010/main" val="2271455764"/>
       </p:ext>
     </p:extLst>
   </p:cSld>

--- a/2020 ASPE Recognitions...pptx
+++ b/2020 ASPE Recognitions...pptx
@@ -4288,6 +4288,43 @@
           <a:chExt cx="0" cy="0"/>
         </a:xfrm>
       </p:grpSpPr>
+      <p:pic>
+        <p:nvPicPr>
+          <p:cNvPr id="8" name="Picture 7" descr="A picture containing toy, cake&#10;&#10;Description automatically generated">
+            <a:extLst>
+              <a:ext uri="{FF2B5EF4-FFF2-40B4-BE49-F238E27FC236}">
+                <a16:creationId xmlns:a16="http://schemas.microsoft.com/office/drawing/2014/main" id="{AE22EE67-986C-45E3-8241-72A95DF27404}"/>
+              </a:ext>
+            </a:extLst>
+          </p:cNvPr>
+          <p:cNvPicPr>
+            <a:picLocks noChangeAspect="1"/>
+          </p:cNvPicPr>
+          <p:nvPr/>
+        </p:nvPicPr>
+        <p:blipFill>
+          <a:blip r:embed="rId3">
+            <a:alphaModFix amt="20000"/>
+            <a:extLst>
+              <a:ext uri="{28A0092B-C50C-407E-A947-70E740481C1C}">
+                <a14:useLocalDpi xmlns:a14="http://schemas.microsoft.com/office/drawing/2010/main" val="0"/>
+              </a:ext>
+            </a:extLst>
+          </a:blip>
+          <a:stretch>
+            <a:fillRect/>
+          </a:stretch>
+        </p:blipFill>
+        <p:spPr>
+          <a:xfrm>
+            <a:off x="0" y="-1"/>
+            <a:ext cx="9144000" cy="5143499"/>
+          </a:xfrm>
+          <a:prstGeom prst="rect">
+            <a:avLst/>
+          </a:prstGeom>
+        </p:spPr>
+      </p:pic>
       <p:sp>
         <p:nvSpPr>
           <p:cNvPr id="4" name="Slide Number Placeholder 3">
@@ -6498,6 +6535,43 @@
           </a:p>
         </p:txBody>
       </p:sp>
+      <p:pic>
+        <p:nvPicPr>
+          <p:cNvPr id="8" name="Picture 7" descr="A picture containing toy, cake&#10;&#10;Description automatically generated">
+            <a:extLst>
+              <a:ext uri="{FF2B5EF4-FFF2-40B4-BE49-F238E27FC236}">
+                <a16:creationId xmlns:a16="http://schemas.microsoft.com/office/drawing/2014/main" id="{BEC50DB6-4536-4B05-AC5F-1FB03CECADF9}"/>
+              </a:ext>
+            </a:extLst>
+          </p:cNvPr>
+          <p:cNvPicPr>
+            <a:picLocks noChangeAspect="1"/>
+          </p:cNvPicPr>
+          <p:nvPr/>
+        </p:nvPicPr>
+        <p:blipFill>
+          <a:blip r:embed="rId3">
+            <a:alphaModFix amt="20000"/>
+            <a:extLst>
+              <a:ext uri="{28A0092B-C50C-407E-A947-70E740481C1C}">
+                <a14:useLocalDpi xmlns:a14="http://schemas.microsoft.com/office/drawing/2010/main" val="0"/>
+              </a:ext>
+            </a:extLst>
+          </a:blip>
+          <a:stretch>
+            <a:fillRect/>
+          </a:stretch>
+        </p:blipFill>
+        <p:spPr>
+          <a:xfrm>
+            <a:off x="0" y="-1"/>
+            <a:ext cx="9144000" cy="5143499"/>
+          </a:xfrm>
+          <a:prstGeom prst="rect">
+            <a:avLst/>
+          </a:prstGeom>
+        </p:spPr>
+      </p:pic>
     </p:spTree>
     <p:extLst>
       <p:ext uri="{BB962C8B-B14F-4D97-AF65-F5344CB8AC3E}">
@@ -6528,6 +6602,43 @@
           <a:chExt cx="0" cy="0"/>
         </a:xfrm>
       </p:grpSpPr>
+      <p:pic>
+        <p:nvPicPr>
+          <p:cNvPr id="9" name="Picture 8" descr="A picture containing toy, cake&#10;&#10;Description automatically generated">
+            <a:extLst>
+              <a:ext uri="{FF2B5EF4-FFF2-40B4-BE49-F238E27FC236}">
+                <a16:creationId xmlns:a16="http://schemas.microsoft.com/office/drawing/2014/main" id="{71295432-57C1-4EAA-9035-6FE84E058843}"/>
+              </a:ext>
+            </a:extLst>
+          </p:cNvPr>
+          <p:cNvPicPr>
+            <a:picLocks noChangeAspect="1"/>
+          </p:cNvPicPr>
+          <p:nvPr/>
+        </p:nvPicPr>
+        <p:blipFill>
+          <a:blip r:embed="rId3">
+            <a:alphaModFix amt="20000"/>
+            <a:extLst>
+              <a:ext uri="{28A0092B-C50C-407E-A947-70E740481C1C}">
+                <a14:useLocalDpi xmlns:a14="http://schemas.microsoft.com/office/drawing/2010/main" val="0"/>
+              </a:ext>
+            </a:extLst>
+          </a:blip>
+          <a:stretch>
+            <a:fillRect/>
+          </a:stretch>
+        </p:blipFill>
+        <p:spPr>
+          <a:xfrm>
+            <a:off x="0" y="-1"/>
+            <a:ext cx="9144000" cy="5143499"/>
+          </a:xfrm>
+          <a:prstGeom prst="rect">
+            <a:avLst/>
+          </a:prstGeom>
+        </p:spPr>
+      </p:pic>
       <p:sp>
         <p:nvSpPr>
           <p:cNvPr id="4" name="Slide Number Placeholder 3">
@@ -6622,7 +6733,7 @@
           <a:p>
             <a:r>
               <a:rPr lang="en-US" dirty="0"/>
-              <a:t>Looking for Committee Members:</a:t>
+              <a:t>2021– Want to participate?</a:t>
             </a:r>
           </a:p>
         </p:txBody>
@@ -6645,7 +6756,7 @@
         </p:nvSpPr>
         <p:spPr>
           <a:xfrm>
-            <a:off x="1161389" y="1113201"/>
+            <a:off x="1169702" y="1024477"/>
             <a:ext cx="7126399" cy="3461300"/>
           </a:xfrm>
         </p:spPr>
@@ -6655,14 +6766,14 @@
           <a:p>
             <a:r>
               <a:rPr lang="en-US" sz="1800" dirty="0"/>
-              <a:t>Mention here the array of activities done by the committee:</a:t>
+              <a:t>In 2021, we will be scribing gratings using a diamond tool.  (Mention here the array of activities done by the committee)</a:t>
             </a:r>
           </a:p>
           <a:p>
             <a:pPr lvl="1"/>
             <a:r>
               <a:rPr lang="en-US" sz="1800" dirty="0"/>
-              <a:t>Proposing challenges.</a:t>
+              <a:t>Testing the hardware to make sure is doable.</a:t>
             </a:r>
           </a:p>
           <a:p>
@@ -6690,7 +6801,7 @@
             <a:pPr lvl="1"/>
             <a:r>
               <a:rPr lang="en-US" sz="1800" dirty="0"/>
-              <a:t>Do tutorials ahead of the challenge.</a:t>
+              <a:t>Do tutorials around the student gaps for the particular event.</a:t>
             </a:r>
           </a:p>
           <a:p>
@@ -6725,7 +6836,7 @@
             <a:pPr lvl="1"/>
             <a:r>
               <a:rPr lang="en-US" sz="1800" dirty="0"/>
-              <a:t>We wide array of levels of expertise in the Committee.  (Manufacturing, Mechanical, Metrology and Controls)</a:t>
+              <a:t>We need wide array of levels of expertise in the Committee.  (Manufacturing, Mechanical, Metrology and Controls)</a:t>
             </a:r>
           </a:p>
         </p:txBody>
